--- a/Capstone 2.pptx
+++ b/Capstone 2.pptx
@@ -344,7 +344,7 @@
           <a:p>
             <a:fld id="{9F92E6CB-D527-4272-B270-4AE7FF71D4C3}" type="datetimeFigureOut">
               <a:rPr lang="en-US" smtClean="0"/>
-              <a:t>7/5/2019</a:t>
+              <a:t>7/16/2019</a:t>
             </a:fld>
             <a:endParaRPr lang="en-US"/>
           </a:p>
@@ -514,7 +514,7 @@
           <a:p>
             <a:fld id="{9F92E6CB-D527-4272-B270-4AE7FF71D4C3}" type="datetimeFigureOut">
               <a:rPr lang="en-US" smtClean="0"/>
-              <a:t>7/5/2019</a:t>
+              <a:t>7/16/2019</a:t>
             </a:fld>
             <a:endParaRPr lang="en-US"/>
           </a:p>
@@ -694,7 +694,7 @@
           <a:p>
             <a:fld id="{9F92E6CB-D527-4272-B270-4AE7FF71D4C3}" type="datetimeFigureOut">
               <a:rPr lang="en-US" smtClean="0"/>
-              <a:t>7/5/2019</a:t>
+              <a:t>7/16/2019</a:t>
             </a:fld>
             <a:endParaRPr lang="en-US"/>
           </a:p>
@@ -864,7 +864,7 @@
           <a:p>
             <a:fld id="{9F92E6CB-D527-4272-B270-4AE7FF71D4C3}" type="datetimeFigureOut">
               <a:rPr lang="en-US" smtClean="0"/>
-              <a:t>7/5/2019</a:t>
+              <a:t>7/16/2019</a:t>
             </a:fld>
             <a:endParaRPr lang="en-US"/>
           </a:p>
@@ -1122,7 +1122,7 @@
           <a:p>
             <a:fld id="{9F92E6CB-D527-4272-B270-4AE7FF71D4C3}" type="datetimeFigureOut">
               <a:rPr lang="en-US" smtClean="0"/>
-              <a:t>7/5/2019</a:t>
+              <a:t>7/16/2019</a:t>
             </a:fld>
             <a:endParaRPr lang="en-US"/>
           </a:p>
@@ -1410,7 +1410,7 @@
           <a:p>
             <a:fld id="{9F92E6CB-D527-4272-B270-4AE7FF71D4C3}" type="datetimeFigureOut">
               <a:rPr lang="en-US" smtClean="0"/>
-              <a:t>7/5/2019</a:t>
+              <a:t>7/16/2019</a:t>
             </a:fld>
             <a:endParaRPr lang="en-US"/>
           </a:p>
@@ -1852,7 +1852,7 @@
           <a:p>
             <a:fld id="{9F92E6CB-D527-4272-B270-4AE7FF71D4C3}" type="datetimeFigureOut">
               <a:rPr lang="en-US" smtClean="0"/>
-              <a:t>7/5/2019</a:t>
+              <a:t>7/16/2019</a:t>
             </a:fld>
             <a:endParaRPr lang="en-US"/>
           </a:p>
@@ -1970,7 +1970,7 @@
           <a:p>
             <a:fld id="{9F92E6CB-D527-4272-B270-4AE7FF71D4C3}" type="datetimeFigureOut">
               <a:rPr lang="en-US" smtClean="0"/>
-              <a:t>7/5/2019</a:t>
+              <a:t>7/16/2019</a:t>
             </a:fld>
             <a:endParaRPr lang="en-US"/>
           </a:p>
@@ -2065,7 +2065,7 @@
           <a:p>
             <a:fld id="{9F92E6CB-D527-4272-B270-4AE7FF71D4C3}" type="datetimeFigureOut">
               <a:rPr lang="en-US" smtClean="0"/>
-              <a:t>7/5/2019</a:t>
+              <a:t>7/16/2019</a:t>
             </a:fld>
             <a:endParaRPr lang="en-US"/>
           </a:p>
@@ -2353,7 +2353,7 @@
           <a:p>
             <a:fld id="{9F92E6CB-D527-4272-B270-4AE7FF71D4C3}" type="datetimeFigureOut">
               <a:rPr lang="en-US" smtClean="0"/>
-              <a:t>7/5/2019</a:t>
+              <a:t>7/16/2019</a:t>
             </a:fld>
             <a:endParaRPr lang="en-US"/>
           </a:p>
@@ -2626,7 +2626,7 @@
           <a:p>
             <a:fld id="{9F92E6CB-D527-4272-B270-4AE7FF71D4C3}" type="datetimeFigureOut">
               <a:rPr lang="en-US" smtClean="0"/>
-              <a:t>7/5/2019</a:t>
+              <a:t>7/16/2019</a:t>
             </a:fld>
             <a:endParaRPr lang="en-US"/>
           </a:p>
@@ -2923,7 +2923,7 @@
           <a:p>
             <a:fld id="{9F92E6CB-D527-4272-B270-4AE7FF71D4C3}" type="datetimeFigureOut">
               <a:rPr lang="en-US" smtClean="0"/>
-              <a:t>7/5/2019</a:t>
+              <a:t>7/16/2019</a:t>
             </a:fld>
             <a:endParaRPr lang="en-US"/>
           </a:p>
@@ -4331,6 +4331,13 @@
               <a:t>Compatible with previous work</a:t>
             </a:r>
           </a:p>
+          <a:p>
+            <a:pPr lvl="1"/>
+            <a:r>
+              <a:rPr lang="en-US" dirty="0"/>
+              <a:t>Monte-Carlo Table solution possible</a:t>
+            </a:r>
+          </a:p>
         </p:txBody>
       </p:sp>
     </p:spTree>
